--- a/Why Matlab.pptx
+++ b/Why Matlab.pptx
@@ -3343,6 +3343,12 @@
             </a:r>
           </a:p>
           <a:p>
+            <a:pPr marL="0" indent="0">
+              <a:buNone/>
+            </a:pPr>
+            <a:endParaRPr lang="en-US" dirty="0" smtClean="0"/>
+          </a:p>
+          <a:p>
             <a:endParaRPr lang="en-US" dirty="0" smtClean="0"/>
           </a:p>
           <a:p>
@@ -3422,7 +3428,9 @@
         </p:nvSpPr>
         <p:spPr/>
         <p:txBody>
-          <a:bodyPr/>
+          <a:bodyPr>
+            <a:normAutofit fontScale="92500" lnSpcReduction="10000"/>
+          </a:bodyPr>
           <a:lstStyle/>
           <a:p>
             <a:r>
@@ -3433,7 +3441,15 @@
           <a:p>
             <a:r>
               <a:rPr lang="en-US" dirty="0" smtClean="0"/>
-              <a:t>Takes care of low level things</a:t>
+              <a:t>Takes care of low level things (memory </a:t>
+            </a:r>
+            <a:r>
+              <a:rPr lang="en-US" dirty="0" err="1" smtClean="0"/>
+              <a:t>managaement</a:t>
+            </a:r>
+            <a:r>
+              <a:rPr lang="en-US" dirty="0" smtClean="0"/>
+              <a:t>, lots of pre-built functions)</a:t>
             </a:r>
           </a:p>
           <a:p>
@@ -3451,13 +3467,13 @@
           <a:p>
             <a:r>
               <a:rPr lang="en-US" dirty="0" smtClean="0"/>
-              <a:t>Many toolboxes for added functionality (signal processing, etc.)</a:t>
+              <a:t>Many toolboxes for added functionality (signal processing, image processing, etc.)</a:t>
             </a:r>
           </a:p>
           <a:p>
             <a:r>
               <a:rPr lang="en-US" dirty="0" smtClean="0"/>
-              <a:t>Fast prototyping</a:t>
+              <a:t>Fast prototyping – easy to test new ideas</a:t>
             </a:r>
             <a:endParaRPr lang="en-US" dirty="0"/>
           </a:p>
@@ -3550,6 +3566,10 @@
             </a:r>
           </a:p>
           <a:p>
+            <a:r>
+              <a:rPr lang="en-US" dirty="0" smtClean="0"/>
+              <a:t>Can be slow (C++ and Fortran are faster)</a:t>
+            </a:r>
             <a:endParaRPr lang="en-US" dirty="0"/>
           </a:p>
         </p:txBody>

--- a/Why Matlab.pptx
+++ b/Why Matlab.pptx
@@ -11,6 +11,7 @@
     <p:sldId id="260" r:id="rId5"/>
     <p:sldId id="261" r:id="rId6"/>
     <p:sldId id="259" r:id="rId7"/>
+    <p:sldId id="262" r:id="rId8"/>
   </p:sldIdLst>
   <p:sldSz cx="9144000" cy="6858000" type="screen4x3"/>
   <p:notesSz cx="6858000" cy="9144000"/>
@@ -3697,6 +3698,107 @@
 </p:sld>
 </file>
 
+<file path=ppt/slides/slide7.xml><?xml version="1.0" encoding="utf-8"?>
+<p:sld xmlns:a="http://schemas.openxmlformats.org/drawingml/2006/main" xmlns:r="http://schemas.openxmlformats.org/officeDocument/2006/relationships" xmlns:p="http://schemas.openxmlformats.org/presentationml/2006/main">
+  <p:cSld>
+    <p:spTree>
+      <p:nvGrpSpPr>
+        <p:cNvPr id="1" name=""/>
+        <p:cNvGrpSpPr/>
+        <p:nvPr/>
+      </p:nvGrpSpPr>
+      <p:grpSpPr>
+        <a:xfrm>
+          <a:off x="0" y="0"/>
+          <a:ext cx="0" cy="0"/>
+          <a:chOff x="0" y="0"/>
+          <a:chExt cx="0" cy="0"/>
+        </a:xfrm>
+      </p:grpSpPr>
+      <p:sp>
+        <p:nvSpPr>
+          <p:cNvPr id="2" name="Title 1"/>
+          <p:cNvSpPr>
+            <a:spLocks noGrp="1"/>
+          </p:cNvSpPr>
+          <p:nvPr>
+            <p:ph type="title"/>
+          </p:nvPr>
+        </p:nvSpPr>
+        <p:spPr/>
+        <p:txBody>
+          <a:bodyPr/>
+          <a:lstStyle/>
+          <a:p>
+            <a:r>
+              <a:rPr lang="en-US" dirty="0" smtClean="0"/>
+              <a:t>Goals for tutorial</a:t>
+            </a:r>
+            <a:endParaRPr lang="en-US" dirty="0"/>
+          </a:p>
+        </p:txBody>
+      </p:sp>
+      <p:sp>
+        <p:nvSpPr>
+          <p:cNvPr id="3" name="Content Placeholder 2"/>
+          <p:cNvSpPr>
+            <a:spLocks noGrp="1"/>
+          </p:cNvSpPr>
+          <p:nvPr>
+            <p:ph idx="1"/>
+          </p:nvPr>
+        </p:nvSpPr>
+        <p:spPr/>
+        <p:txBody>
+          <a:bodyPr/>
+          <a:lstStyle/>
+          <a:p>
+            <a:r>
+              <a:rPr lang="en-US" dirty="0" smtClean="0"/>
+              <a:t>To give you a baseline familiarity with </a:t>
+            </a:r>
+            <a:r>
+              <a:rPr lang="en-US" dirty="0" err="1" smtClean="0"/>
+              <a:t>Matlab</a:t>
+            </a:r>
+            <a:r>
+              <a:rPr lang="en-US" dirty="0" smtClean="0"/>
+              <a:t> software.</a:t>
+            </a:r>
+          </a:p>
+          <a:p>
+            <a:r>
+              <a:rPr lang="en-US" dirty="0" smtClean="0"/>
+              <a:t>To give you the ability to find help about </a:t>
+            </a:r>
+            <a:r>
+              <a:rPr lang="en-US" dirty="0" err="1" smtClean="0"/>
+              <a:t>Matlab</a:t>
+            </a:r>
+            <a:r>
+              <a:rPr lang="en-US" dirty="0" smtClean="0"/>
+              <a:t> if you don’t know how to </a:t>
+            </a:r>
+            <a:r>
+              <a:rPr lang="en-US" smtClean="0"/>
+              <a:t>do something.</a:t>
+            </a:r>
+          </a:p>
+        </p:txBody>
+      </p:sp>
+    </p:spTree>
+    <p:extLst>
+      <p:ext uri="{BB962C8B-B14F-4D97-AF65-F5344CB8AC3E}">
+        <p14:creationId xmlns:p14="http://schemas.microsoft.com/office/powerpoint/2010/main" val="2501656752"/>
+      </p:ext>
+    </p:extLst>
+  </p:cSld>
+  <p:clrMapOvr>
+    <a:masterClrMapping/>
+  </p:clrMapOvr>
+</p:sld>
+</file>
+
 <file path=ppt/theme/theme1.xml><?xml version="1.0" encoding="utf-8"?>
 <a:theme xmlns:a="http://schemas.openxmlformats.org/drawingml/2006/main" name="Office Theme">
   <a:themeElements>

--- a/Why Matlab.pptx
+++ b/Why Matlab.pptx
@@ -6,12 +6,11 @@
   </p:sldMasterIdLst>
   <p:sldIdLst>
     <p:sldId id="256" r:id="rId2"/>
-    <p:sldId id="257" r:id="rId3"/>
-    <p:sldId id="258" r:id="rId4"/>
-    <p:sldId id="260" r:id="rId5"/>
-    <p:sldId id="261" r:id="rId6"/>
-    <p:sldId id="259" r:id="rId7"/>
-    <p:sldId id="262" r:id="rId8"/>
+    <p:sldId id="258" r:id="rId3"/>
+    <p:sldId id="260" r:id="rId4"/>
+    <p:sldId id="261" r:id="rId5"/>
+    <p:sldId id="259" r:id="rId6"/>
+    <p:sldId id="262" r:id="rId7"/>
   </p:sldIdLst>
   <p:sldSz cx="9144000" cy="6858000" type="screen4x3"/>
   <p:notesSz cx="6858000" cy="9144000"/>
@@ -294,7 +293,7 @@
           <a:p>
             <a:fld id="{12503D90-0F52-42BB-9368-A9AB0CFBD6AB}" type="datetimeFigureOut">
               <a:rPr lang="en-US" smtClean="0"/>
-              <a:t>6/7/2015</a:t>
+              <a:t>9/10/18</a:t>
             </a:fld>
             <a:endParaRPr lang="en-US"/>
           </a:p>
@@ -464,7 +463,7 @@
           <a:p>
             <a:fld id="{12503D90-0F52-42BB-9368-A9AB0CFBD6AB}" type="datetimeFigureOut">
               <a:rPr lang="en-US" smtClean="0"/>
-              <a:t>6/7/2015</a:t>
+              <a:t>9/10/18</a:t>
             </a:fld>
             <a:endParaRPr lang="en-US"/>
           </a:p>
@@ -644,7 +643,7 @@
           <a:p>
             <a:fld id="{12503D90-0F52-42BB-9368-A9AB0CFBD6AB}" type="datetimeFigureOut">
               <a:rPr lang="en-US" smtClean="0"/>
-              <a:t>6/7/2015</a:t>
+              <a:t>9/10/18</a:t>
             </a:fld>
             <a:endParaRPr lang="en-US"/>
           </a:p>
@@ -814,7 +813,7 @@
           <a:p>
             <a:fld id="{12503D90-0F52-42BB-9368-A9AB0CFBD6AB}" type="datetimeFigureOut">
               <a:rPr lang="en-US" smtClean="0"/>
-              <a:t>6/7/2015</a:t>
+              <a:t>9/10/18</a:t>
             </a:fld>
             <a:endParaRPr lang="en-US"/>
           </a:p>
@@ -1060,7 +1059,7 @@
           <a:p>
             <a:fld id="{12503D90-0F52-42BB-9368-A9AB0CFBD6AB}" type="datetimeFigureOut">
               <a:rPr lang="en-US" smtClean="0"/>
-              <a:t>6/7/2015</a:t>
+              <a:t>9/10/18</a:t>
             </a:fld>
             <a:endParaRPr lang="en-US"/>
           </a:p>
@@ -1348,7 +1347,7 @@
           <a:p>
             <a:fld id="{12503D90-0F52-42BB-9368-A9AB0CFBD6AB}" type="datetimeFigureOut">
               <a:rPr lang="en-US" smtClean="0"/>
-              <a:t>6/7/2015</a:t>
+              <a:t>9/10/18</a:t>
             </a:fld>
             <a:endParaRPr lang="en-US"/>
           </a:p>
@@ -1770,7 +1769,7 @@
           <a:p>
             <a:fld id="{12503D90-0F52-42BB-9368-A9AB0CFBD6AB}" type="datetimeFigureOut">
               <a:rPr lang="en-US" smtClean="0"/>
-              <a:t>6/7/2015</a:t>
+              <a:t>9/10/18</a:t>
             </a:fld>
             <a:endParaRPr lang="en-US"/>
           </a:p>
@@ -1888,7 +1887,7 @@
           <a:p>
             <a:fld id="{12503D90-0F52-42BB-9368-A9AB0CFBD6AB}" type="datetimeFigureOut">
               <a:rPr lang="en-US" smtClean="0"/>
-              <a:t>6/7/2015</a:t>
+              <a:t>9/10/18</a:t>
             </a:fld>
             <a:endParaRPr lang="en-US"/>
           </a:p>
@@ -1983,7 +1982,7 @@
           <a:p>
             <a:fld id="{12503D90-0F52-42BB-9368-A9AB0CFBD6AB}" type="datetimeFigureOut">
               <a:rPr lang="en-US" smtClean="0"/>
-              <a:t>6/7/2015</a:t>
+              <a:t>9/10/18</a:t>
             </a:fld>
             <a:endParaRPr lang="en-US"/>
           </a:p>
@@ -2260,7 +2259,7 @@
           <a:p>
             <a:fld id="{12503D90-0F52-42BB-9368-A9AB0CFBD6AB}" type="datetimeFigureOut">
               <a:rPr lang="en-US" smtClean="0"/>
-              <a:t>6/7/2015</a:t>
+              <a:t>9/10/18</a:t>
             </a:fld>
             <a:endParaRPr lang="en-US"/>
           </a:p>
@@ -2513,7 +2512,7 @@
           <a:p>
             <a:fld id="{12503D90-0F52-42BB-9368-A9AB0CFBD6AB}" type="datetimeFigureOut">
               <a:rPr lang="en-US" smtClean="0"/>
-              <a:t>6/7/2015</a:t>
+              <a:t>9/10/18</a:t>
             </a:fld>
             <a:endParaRPr lang="en-US"/>
           </a:p>
@@ -2726,7 +2725,7 @@
           <a:p>
             <a:fld id="{12503D90-0F52-42BB-9368-A9AB0CFBD6AB}" type="datetimeFigureOut">
               <a:rPr lang="en-US" smtClean="0"/>
-              <a:t>6/7/2015</a:t>
+              <a:t>9/10/18</a:t>
             </a:fld>
             <a:endParaRPr lang="en-US"/>
           </a:p>
@@ -3145,7 +3144,7 @@
   <p:timing>
     <p:tnLst>
       <p:par>
-        <p:cTn id="1" dur="indefinite" restart="never" nodeType="tmRoot"/>
+        <p:cTn xmlns:p14="http://schemas.microsoft.com/office/powerpoint/2010/main" id="1" dur="indefinite" restart="never" nodeType="tmRoot"/>
       </p:par>
     </p:tnLst>
   </p:timing>
@@ -3186,7 +3185,15 @@
           <a:p>
             <a:r>
               <a:rPr lang="en-US" dirty="0" smtClean="0"/>
-              <a:t>About Me</a:t>
+              <a:t>What is </a:t>
+            </a:r>
+            <a:r>
+              <a:rPr lang="en-US" dirty="0" err="1" smtClean="0"/>
+              <a:t>Matlab</a:t>
+            </a:r>
+            <a:r>
+              <a:rPr lang="en-US" dirty="0" smtClean="0"/>
+              <a:t>?</a:t>
             </a:r>
             <a:endParaRPr lang="en-US" dirty="0"/>
           </a:p>
@@ -3209,36 +3216,31 @@
           <a:p>
             <a:r>
               <a:rPr lang="en-US" dirty="0" smtClean="0"/>
-              <a:t>6</a:t>
-            </a:r>
-            <a:r>
-              <a:rPr lang="en-US" baseline="30000" dirty="0" smtClean="0"/>
-              <a:t>th</a:t>
-            </a:r>
+              <a:t>Scientific computing software</a:t>
+            </a:r>
+          </a:p>
+          <a:p>
             <a:r>
               <a:rPr lang="en-US" dirty="0" smtClean="0"/>
-              <a:t> year PhD Student in Computational Neuroscience</a:t>
+              <a:t>High level programming language</a:t>
             </a:r>
           </a:p>
           <a:p>
             <a:r>
               <a:rPr lang="en-US" dirty="0" smtClean="0"/>
-              <a:t>I study:</a:t>
-            </a:r>
-          </a:p>
-          <a:p>
-            <a:pPr lvl="1"/>
-            <a:r>
-              <a:rPr lang="en-US" dirty="0" smtClean="0"/>
-              <a:t>Cognitive flexibility in the prefrontal cortex</a:t>
-            </a:r>
-          </a:p>
-          <a:p>
-            <a:pPr lvl="1"/>
-            <a:r>
-              <a:rPr lang="en-US" dirty="0" smtClean="0"/>
-              <a:t>Tools for visualizing neuroscience data</a:t>
-            </a:r>
+              <a:t>Graphics engine</a:t>
+            </a:r>
+          </a:p>
+          <a:p>
+            <a:pPr marL="0" indent="0">
+              <a:buNone/>
+            </a:pPr>
+            <a:endParaRPr lang="en-US" dirty="0" smtClean="0"/>
+          </a:p>
+          <a:p>
+            <a:endParaRPr lang="en-US" dirty="0" smtClean="0"/>
+          </a:p>
+          <a:p>
             <a:endParaRPr lang="en-US" dirty="0"/>
           </a:p>
         </p:txBody>
@@ -3246,7 +3248,7 @@
     </p:spTree>
     <p:extLst>
       <p:ext uri="{BB962C8B-B14F-4D97-AF65-F5344CB8AC3E}">
-        <p14:creationId xmlns:p14="http://schemas.microsoft.com/office/powerpoint/2010/main" val="3532424716"/>
+        <p14:creationId xmlns:p14="http://schemas.microsoft.com/office/powerpoint/2010/main" val="4292868702"/>
       </p:ext>
     </p:extLst>
   </p:cSld>
@@ -3256,7 +3258,7 @@
   <p:timing>
     <p:tnLst>
       <p:par>
-        <p:cTn id="1" dur="indefinite" restart="never" nodeType="tmRoot"/>
+        <p:cTn xmlns:p14="http://schemas.microsoft.com/office/powerpoint/2010/main" id="1" dur="indefinite" restart="never" nodeType="tmRoot"/>
       </p:par>
     </p:tnLst>
   </p:timing>
@@ -3297,62 +3299,71 @@
           <a:p>
             <a:r>
               <a:rPr lang="en-US" dirty="0" smtClean="0"/>
-              <a:t>What is </a:t>
+              <a:t>Pros</a:t>
+            </a:r>
+            <a:endParaRPr lang="en-US" dirty="0"/>
+          </a:p>
+        </p:txBody>
+      </p:sp>
+      <p:sp>
+        <p:nvSpPr>
+          <p:cNvPr id="3" name="Content Placeholder 2"/>
+          <p:cNvSpPr>
+            <a:spLocks noGrp="1"/>
+          </p:cNvSpPr>
+          <p:nvPr>
+            <p:ph idx="1"/>
+          </p:nvPr>
+        </p:nvSpPr>
+        <p:spPr/>
+        <p:txBody>
+          <a:bodyPr>
+            <a:normAutofit fontScale="92500" lnSpcReduction="10000"/>
+          </a:bodyPr>
+          <a:lstStyle/>
+          <a:p>
+            <a:r>
+              <a:rPr lang="en-US" b="1" dirty="0" smtClean="0"/>
+              <a:t>Heavily used in the scientific community</a:t>
+            </a:r>
+          </a:p>
+          <a:p>
+            <a:r>
+              <a:rPr lang="en-US" dirty="0" smtClean="0"/>
+              <a:t>Takes care of low level things (memory </a:t>
             </a:r>
             <a:r>
               <a:rPr lang="en-US" dirty="0" err="1" smtClean="0"/>
-              <a:t>Matlab</a:t>
+              <a:t>managaement</a:t>
             </a:r>
             <a:r>
               <a:rPr lang="en-US" dirty="0" smtClean="0"/>
-              <a:t>?</a:t>
-            </a:r>
-            <a:endParaRPr lang="en-US" dirty="0"/>
-          </a:p>
-        </p:txBody>
-      </p:sp>
-      <p:sp>
-        <p:nvSpPr>
-          <p:cNvPr id="3" name="Content Placeholder 2"/>
-          <p:cNvSpPr>
-            <a:spLocks noGrp="1"/>
-          </p:cNvSpPr>
-          <p:nvPr>
-            <p:ph idx="1"/>
-          </p:nvPr>
-        </p:nvSpPr>
-        <p:spPr/>
-        <p:txBody>
-          <a:bodyPr/>
-          <a:lstStyle/>
+              <a:t>, lots of pre-built functions)</a:t>
+            </a:r>
+          </a:p>
           <a:p>
             <a:r>
               <a:rPr lang="en-US" dirty="0" smtClean="0"/>
-              <a:t>Scientific computing software</a:t>
+              <a:t>Lots of resources (web documentation, customer support)</a:t>
             </a:r>
           </a:p>
           <a:p>
             <a:r>
               <a:rPr lang="en-US" dirty="0" smtClean="0"/>
-              <a:t>High level programming language</a:t>
+              <a:t>Heavily optimized linear algebra packages</a:t>
             </a:r>
           </a:p>
           <a:p>
             <a:r>
               <a:rPr lang="en-US" dirty="0" smtClean="0"/>
-              <a:t>Graphics engine</a:t>
-            </a:r>
-          </a:p>
-          <a:p>
-            <a:pPr marL="0" indent="0">
-              <a:buNone/>
-            </a:pPr>
-            <a:endParaRPr lang="en-US" dirty="0" smtClean="0"/>
-          </a:p>
-          <a:p>
-            <a:endParaRPr lang="en-US" dirty="0" smtClean="0"/>
-          </a:p>
-          <a:p>
+              <a:t>Many toolboxes for added functionality (signal processing, image processing, etc.)</a:t>
+            </a:r>
+          </a:p>
+          <a:p>
+            <a:r>
+              <a:rPr lang="en-US" dirty="0" smtClean="0"/>
+              <a:t>Fast prototyping – easy to test new ideas</a:t>
+            </a:r>
             <a:endParaRPr lang="en-US" dirty="0"/>
           </a:p>
         </p:txBody>
@@ -3360,7 +3371,7 @@
     </p:spTree>
     <p:extLst>
       <p:ext uri="{BB962C8B-B14F-4D97-AF65-F5344CB8AC3E}">
-        <p14:creationId xmlns:p14="http://schemas.microsoft.com/office/powerpoint/2010/main" val="4292868702"/>
+        <p14:creationId xmlns:p14="http://schemas.microsoft.com/office/powerpoint/2010/main" val="395835063"/>
       </p:ext>
     </p:extLst>
   </p:cSld>
@@ -3370,7 +3381,7 @@
   <p:timing>
     <p:tnLst>
       <p:par>
-        <p:cTn id="1" dur="indefinite" restart="never" nodeType="tmRoot"/>
+        <p:cTn xmlns:p14="http://schemas.microsoft.com/office/powerpoint/2010/main" id="1" dur="indefinite" restart="never" nodeType="tmRoot"/>
       </p:par>
     </p:tnLst>
   </p:timing>
@@ -3411,7 +3422,7 @@
           <a:p>
             <a:r>
               <a:rPr lang="en-US" dirty="0" smtClean="0"/>
-              <a:t>Pros</a:t>
+              <a:t>Cons</a:t>
             </a:r>
             <a:endParaRPr lang="en-US" dirty="0"/>
           </a:p>
@@ -3429,52 +3440,24 @@
         </p:nvSpPr>
         <p:spPr/>
         <p:txBody>
-          <a:bodyPr>
-            <a:normAutofit fontScale="92500" lnSpcReduction="10000"/>
-          </a:bodyPr>
-          <a:lstStyle/>
-          <a:p>
-            <a:r>
-              <a:rPr lang="en-US" b="1" dirty="0" smtClean="0"/>
-              <a:t>Heavily used in the scientific community</a:t>
-            </a:r>
-          </a:p>
+          <a:bodyPr/>
+          <a:lstStyle/>
           <a:p>
             <a:r>
               <a:rPr lang="en-US" dirty="0" smtClean="0"/>
-              <a:t>Takes care of low level things (memory </a:t>
-            </a:r>
-            <a:r>
-              <a:rPr lang="en-US" dirty="0" err="1" smtClean="0"/>
-              <a:t>managaement</a:t>
-            </a:r>
+              <a:t>Not free and not cheap</a:t>
+            </a:r>
+          </a:p>
+          <a:p>
             <a:r>
               <a:rPr lang="en-US" dirty="0" smtClean="0"/>
-              <a:t>, lots of pre-built functions)</a:t>
+              <a:t>Memory management is terrible</a:t>
             </a:r>
           </a:p>
           <a:p>
             <a:r>
               <a:rPr lang="en-US" dirty="0" smtClean="0"/>
-              <a:t>Lots of resources (web documentation, customer support)</a:t>
-            </a:r>
-          </a:p>
-          <a:p>
-            <a:r>
-              <a:rPr lang="en-US" dirty="0" smtClean="0"/>
-              <a:t>Heavily optimized linear algebra packages</a:t>
-            </a:r>
-          </a:p>
-          <a:p>
-            <a:r>
-              <a:rPr lang="en-US" dirty="0" smtClean="0"/>
-              <a:t>Many toolboxes for added functionality (signal processing, image processing, etc.)</a:t>
-            </a:r>
-          </a:p>
-          <a:p>
-            <a:r>
-              <a:rPr lang="en-US" dirty="0" smtClean="0"/>
-              <a:t>Fast prototyping – easy to test new ideas</a:t>
+              <a:t>Can be slow (C++ and Fortran are faster)</a:t>
             </a:r>
             <a:endParaRPr lang="en-US" dirty="0"/>
           </a:p>
@@ -3483,7 +3466,7 @@
     </p:spTree>
     <p:extLst>
       <p:ext uri="{BB962C8B-B14F-4D97-AF65-F5344CB8AC3E}">
-        <p14:creationId xmlns:p14="http://schemas.microsoft.com/office/powerpoint/2010/main" val="395835063"/>
+        <p14:creationId xmlns:p14="http://schemas.microsoft.com/office/powerpoint/2010/main" val="1592276672"/>
       </p:ext>
     </p:extLst>
   </p:cSld>
@@ -3493,7 +3476,7 @@
   <p:timing>
     <p:tnLst>
       <p:par>
-        <p:cTn id="1" dur="indefinite" restart="never" nodeType="tmRoot"/>
+        <p:cTn xmlns:p14="http://schemas.microsoft.com/office/powerpoint/2010/main" id="1" dur="indefinite" restart="never" nodeType="tmRoot"/>
       </p:par>
     </p:tnLst>
   </p:timing>
@@ -3534,7 +3517,15 @@
           <a:p>
             <a:r>
               <a:rPr lang="en-US" dirty="0" smtClean="0"/>
-              <a:t>Cons</a:t>
+              <a:t>Free </a:t>
+            </a:r>
+            <a:r>
+              <a:rPr lang="en-US" dirty="0" err="1" smtClean="0"/>
+              <a:t>Matlab</a:t>
+            </a:r>
+            <a:r>
+              <a:rPr lang="en-US" dirty="0" smtClean="0"/>
+              <a:t> Alternatives</a:t>
             </a:r>
             <a:endParaRPr lang="en-US" dirty="0"/>
           </a:p>
@@ -3557,19 +3548,19 @@
           <a:p>
             <a:r>
               <a:rPr lang="en-US" dirty="0" smtClean="0"/>
-              <a:t>Not free and not cheap</a:t>
+              <a:t>Python/Octave (https://www.python.org/)</a:t>
             </a:r>
           </a:p>
           <a:p>
             <a:r>
               <a:rPr lang="en-US" dirty="0" smtClean="0"/>
-              <a:t>Memory management is terrible</a:t>
+              <a:t>R (http://www.r-project.org/)</a:t>
             </a:r>
           </a:p>
           <a:p>
             <a:r>
               <a:rPr lang="en-US" dirty="0" smtClean="0"/>
-              <a:t>Can be slow (C++ and Fortran are faster)</a:t>
+              <a:t>Julia (http://julialang.org/)</a:t>
             </a:r>
             <a:endParaRPr lang="en-US" dirty="0"/>
           </a:p>
@@ -3578,7 +3569,7 @@
     </p:spTree>
     <p:extLst>
       <p:ext uri="{BB962C8B-B14F-4D97-AF65-F5344CB8AC3E}">
-        <p14:creationId xmlns:p14="http://schemas.microsoft.com/office/powerpoint/2010/main" val="1592276672"/>
+        <p14:creationId xmlns:p14="http://schemas.microsoft.com/office/powerpoint/2010/main" val="1765271999"/>
       </p:ext>
     </p:extLst>
   </p:cSld>
@@ -3588,7 +3579,7 @@
   <p:timing>
     <p:tnLst>
       <p:par>
-        <p:cTn id="1" dur="indefinite" restart="never" nodeType="tmRoot"/>
+        <p:cTn xmlns:p14="http://schemas.microsoft.com/office/powerpoint/2010/main" id="1" dur="indefinite" restart="never" nodeType="tmRoot"/>
       </p:par>
     </p:tnLst>
   </p:timing>
@@ -3629,109 +3620,6 @@
           <a:p>
             <a:r>
               <a:rPr lang="en-US" dirty="0" smtClean="0"/>
-              <a:t>Free </a:t>
-            </a:r>
-            <a:r>
-              <a:rPr lang="en-US" dirty="0" err="1" smtClean="0"/>
-              <a:t>Matlab</a:t>
-            </a:r>
-            <a:r>
-              <a:rPr lang="en-US" dirty="0" smtClean="0"/>
-              <a:t> Alternatives</a:t>
-            </a:r>
-            <a:endParaRPr lang="en-US" dirty="0"/>
-          </a:p>
-        </p:txBody>
-      </p:sp>
-      <p:sp>
-        <p:nvSpPr>
-          <p:cNvPr id="3" name="Content Placeholder 2"/>
-          <p:cNvSpPr>
-            <a:spLocks noGrp="1"/>
-          </p:cNvSpPr>
-          <p:nvPr>
-            <p:ph idx="1"/>
-          </p:nvPr>
-        </p:nvSpPr>
-        <p:spPr/>
-        <p:txBody>
-          <a:bodyPr/>
-          <a:lstStyle/>
-          <a:p>
-            <a:r>
-              <a:rPr lang="en-US" dirty="0" smtClean="0"/>
-              <a:t>Python/Octave (https://www.python.org/)</a:t>
-            </a:r>
-          </a:p>
-          <a:p>
-            <a:r>
-              <a:rPr lang="en-US" dirty="0" smtClean="0"/>
-              <a:t>R (http://www.r-project.org/)</a:t>
-            </a:r>
-          </a:p>
-          <a:p>
-            <a:r>
-              <a:rPr lang="en-US" dirty="0" smtClean="0"/>
-              <a:t>Julia (http://julialang.org/)</a:t>
-            </a:r>
-            <a:endParaRPr lang="en-US" dirty="0"/>
-          </a:p>
-        </p:txBody>
-      </p:sp>
-    </p:spTree>
-    <p:extLst>
-      <p:ext uri="{BB962C8B-B14F-4D97-AF65-F5344CB8AC3E}">
-        <p14:creationId xmlns:p14="http://schemas.microsoft.com/office/powerpoint/2010/main" val="1765271999"/>
-      </p:ext>
-    </p:extLst>
-  </p:cSld>
-  <p:clrMapOvr>
-    <a:masterClrMapping/>
-  </p:clrMapOvr>
-  <p:timing>
-    <p:tnLst>
-      <p:par>
-        <p:cTn id="1" dur="indefinite" restart="never" nodeType="tmRoot"/>
-      </p:par>
-    </p:tnLst>
-  </p:timing>
-</p:sld>
-</file>
-
-<file path=ppt/slides/slide7.xml><?xml version="1.0" encoding="utf-8"?>
-<p:sld xmlns:a="http://schemas.openxmlformats.org/drawingml/2006/main" xmlns:r="http://schemas.openxmlformats.org/officeDocument/2006/relationships" xmlns:p="http://schemas.openxmlformats.org/presentationml/2006/main">
-  <p:cSld>
-    <p:spTree>
-      <p:nvGrpSpPr>
-        <p:cNvPr id="1" name=""/>
-        <p:cNvGrpSpPr/>
-        <p:nvPr/>
-      </p:nvGrpSpPr>
-      <p:grpSpPr>
-        <a:xfrm>
-          <a:off x="0" y="0"/>
-          <a:ext cx="0" cy="0"/>
-          <a:chOff x="0" y="0"/>
-          <a:chExt cx="0" cy="0"/>
-        </a:xfrm>
-      </p:grpSpPr>
-      <p:sp>
-        <p:nvSpPr>
-          <p:cNvPr id="2" name="Title 1"/>
-          <p:cNvSpPr>
-            <a:spLocks noGrp="1"/>
-          </p:cNvSpPr>
-          <p:nvPr>
-            <p:ph type="title"/>
-          </p:nvPr>
-        </p:nvSpPr>
-        <p:spPr/>
-        <p:txBody>
-          <a:bodyPr/>
-          <a:lstStyle/>
-          <a:p>
-            <a:r>
-              <a:rPr lang="en-US" dirty="0" smtClean="0"/>
               <a:t>Goals for tutorial</a:t>
             </a:r>
             <a:endParaRPr lang="en-US" dirty="0"/>
@@ -3796,6 +3684,13 @@
   <p:clrMapOvr>
     <a:masterClrMapping/>
   </p:clrMapOvr>
+  <p:timing>
+    <p:tnLst>
+      <p:par>
+        <p:cTn xmlns:p14="http://schemas.microsoft.com/office/powerpoint/2010/main" id="1" dur="indefinite" restart="never" nodeType="tmRoot"/>
+      </p:par>
+    </p:tnLst>
+  </p:timing>
 </p:sld>
 </file>
 
